--- a/GIT.pptx
+++ b/GIT.pptx
@@ -22,6 +22,7 @@
     <p:sldId id="270" r:id="rId16"/>
     <p:sldId id="272" r:id="rId17"/>
     <p:sldId id="271" r:id="rId18"/>
+    <p:sldId id="273" r:id="rId19"/>
   </p:sldIdLst>
   <p:sldSz cx="12192000" cy="6858000"/>
   <p:notesSz cx="6858000" cy="9144000"/>
@@ -122,7 +123,7 @@
   </p:defaultTextStyle>
   <p:extLst>
     <p:ext uri="{EFAFB233-063F-42B5-8137-9DF3F51BA10A}">
-      <p15:sldGuideLst xmlns:p15="http://schemas.microsoft.com/office/powerpoint/2012/main"/>
+      <p15:sldGuideLst xmlns:p15="http://schemas.microsoft.com/office/powerpoint/2012/main" xmlns=""/>
     </p:ext>
   </p:extLst>
 </p:presentation>
@@ -257,7 +258,7 @@
           <a:p>
             <a:fld id="{263DE881-C0A0-473E-97A5-F048CA683D4F}" type="datetimeFigureOut">
               <a:rPr lang="en-US" smtClean="0"/>
-              <a:t>9/8/2017</a:t>
+              <a:t>9/10/2017</a:t>
             </a:fld>
             <a:endParaRPr lang="en-US"/>
           </a:p>
@@ -425,7 +426,7 @@
           <a:p>
             <a:fld id="{263DE881-C0A0-473E-97A5-F048CA683D4F}" type="datetimeFigureOut">
               <a:rPr lang="en-US" smtClean="0"/>
-              <a:t>9/8/2017</a:t>
+              <a:t>9/10/2017</a:t>
             </a:fld>
             <a:endParaRPr lang="en-US"/>
           </a:p>
@@ -603,7 +604,7 @@
           <a:p>
             <a:fld id="{263DE881-C0A0-473E-97A5-F048CA683D4F}" type="datetimeFigureOut">
               <a:rPr lang="en-US" smtClean="0"/>
-              <a:t>9/8/2017</a:t>
+              <a:t>9/10/2017</a:t>
             </a:fld>
             <a:endParaRPr lang="en-US"/>
           </a:p>
@@ -771,7 +772,7 @@
           <a:p>
             <a:fld id="{263DE881-C0A0-473E-97A5-F048CA683D4F}" type="datetimeFigureOut">
               <a:rPr lang="en-US" smtClean="0"/>
-              <a:t>9/8/2017</a:t>
+              <a:t>9/10/2017</a:t>
             </a:fld>
             <a:endParaRPr lang="en-US"/>
           </a:p>
@@ -1016,7 +1017,7 @@
           <a:p>
             <a:fld id="{263DE881-C0A0-473E-97A5-F048CA683D4F}" type="datetimeFigureOut">
               <a:rPr lang="en-US" smtClean="0"/>
-              <a:t>9/8/2017</a:t>
+              <a:t>9/10/2017</a:t>
             </a:fld>
             <a:endParaRPr lang="en-US"/>
           </a:p>
@@ -1245,7 +1246,7 @@
           <a:p>
             <a:fld id="{263DE881-C0A0-473E-97A5-F048CA683D4F}" type="datetimeFigureOut">
               <a:rPr lang="en-US" smtClean="0"/>
-              <a:t>9/8/2017</a:t>
+              <a:t>9/10/2017</a:t>
             </a:fld>
             <a:endParaRPr lang="en-US"/>
           </a:p>
@@ -1609,7 +1610,7 @@
           <a:p>
             <a:fld id="{263DE881-C0A0-473E-97A5-F048CA683D4F}" type="datetimeFigureOut">
               <a:rPr lang="en-US" smtClean="0"/>
-              <a:t>9/8/2017</a:t>
+              <a:t>9/10/2017</a:t>
             </a:fld>
             <a:endParaRPr lang="en-US"/>
           </a:p>
@@ -1726,7 +1727,7 @@
           <a:p>
             <a:fld id="{263DE881-C0A0-473E-97A5-F048CA683D4F}" type="datetimeFigureOut">
               <a:rPr lang="en-US" smtClean="0"/>
-              <a:t>9/8/2017</a:t>
+              <a:t>9/10/2017</a:t>
             </a:fld>
             <a:endParaRPr lang="en-US"/>
           </a:p>
@@ -1821,7 +1822,7 @@
           <a:p>
             <a:fld id="{263DE881-C0A0-473E-97A5-F048CA683D4F}" type="datetimeFigureOut">
               <a:rPr lang="en-US" smtClean="0"/>
-              <a:t>9/8/2017</a:t>
+              <a:t>9/10/2017</a:t>
             </a:fld>
             <a:endParaRPr lang="en-US"/>
           </a:p>
@@ -2096,7 +2097,7 @@
           <a:p>
             <a:fld id="{263DE881-C0A0-473E-97A5-F048CA683D4F}" type="datetimeFigureOut">
               <a:rPr lang="en-US" smtClean="0"/>
-              <a:t>9/8/2017</a:t>
+              <a:t>9/10/2017</a:t>
             </a:fld>
             <a:endParaRPr lang="en-US"/>
           </a:p>
@@ -2348,7 +2349,7 @@
           <a:p>
             <a:fld id="{263DE881-C0A0-473E-97A5-F048CA683D4F}" type="datetimeFigureOut">
               <a:rPr lang="en-US" smtClean="0"/>
-              <a:t>9/8/2017</a:t>
+              <a:t>9/10/2017</a:t>
             </a:fld>
             <a:endParaRPr lang="en-US"/>
           </a:p>
@@ -2562,7 +2563,7 @@
           <a:p>
             <a:fld id="{263DE881-C0A0-473E-97A5-F048CA683D4F}" type="datetimeFigureOut">
               <a:rPr lang="en-US" smtClean="0"/>
-              <a:t>9/8/2017</a:t>
+              <a:t>9/10/2017</a:t>
             </a:fld>
             <a:endParaRPr lang="en-US"/>
           </a:p>
@@ -5047,6 +5048,98 @@
 </p:sld>
 </file>
 
+<file path=ppt/slides/slide18.xml><?xml version="1.0" encoding="utf-8"?>
+<p:sld xmlns:a="http://schemas.openxmlformats.org/drawingml/2006/main" xmlns:r="http://schemas.openxmlformats.org/officeDocument/2006/relationships" xmlns:p="http://schemas.openxmlformats.org/presentationml/2006/main">
+  <p:cSld>
+    <p:spTree>
+      <p:nvGrpSpPr>
+        <p:cNvPr id="1" name=""/>
+        <p:cNvGrpSpPr/>
+        <p:nvPr/>
+      </p:nvGrpSpPr>
+      <p:grpSpPr>
+        <a:xfrm>
+          <a:off x="0" y="0"/>
+          <a:ext cx="0" cy="0"/>
+          <a:chOff x="0" y="0"/>
+          <a:chExt cx="0" cy="0"/>
+        </a:xfrm>
+      </p:grpSpPr>
+      <p:sp>
+        <p:nvSpPr>
+          <p:cNvPr id="2" name="Title 1"/>
+          <p:cNvSpPr>
+            <a:spLocks noGrp="1"/>
+          </p:cNvSpPr>
+          <p:nvPr>
+            <p:ph type="title"/>
+          </p:nvPr>
+        </p:nvSpPr>
+        <p:spPr/>
+        <p:txBody>
+          <a:bodyPr/>
+          <a:lstStyle/>
+          <a:p>
+            <a:r>
+              <a:rPr lang="en-US" dirty="0" smtClean="0"/>
+              <a:t>Al </a:t>
+            </a:r>
+            <a:r>
+              <a:rPr lang="en-US" dirty="0" err="1" smtClean="0"/>
+              <a:t>capone</a:t>
+            </a:r>
+            <a:endParaRPr lang="en-US" dirty="0"/>
+          </a:p>
+        </p:txBody>
+      </p:sp>
+      <p:sp>
+        <p:nvSpPr>
+          <p:cNvPr id="3" name="Content Placeholder 2"/>
+          <p:cNvSpPr>
+            <a:spLocks noGrp="1"/>
+          </p:cNvSpPr>
+          <p:nvPr>
+            <p:ph idx="1"/>
+          </p:nvPr>
+        </p:nvSpPr>
+        <p:spPr/>
+        <p:txBody>
+          <a:bodyPr/>
+          <a:lstStyle/>
+          <a:p>
+            <a:r>
+              <a:rPr lang="en-US" dirty="0" smtClean="0"/>
+              <a:t>This is </a:t>
+            </a:r>
+            <a:r>
+              <a:rPr lang="en-US" dirty="0" err="1" smtClean="0"/>
+              <a:t>atest</a:t>
+            </a:r>
+            <a:r>
+              <a:rPr lang="en-US" dirty="0" smtClean="0"/>
+              <a:t> </a:t>
+            </a:r>
+            <a:r>
+              <a:rPr lang="en-US" dirty="0" err="1" smtClean="0"/>
+              <a:t>silde</a:t>
+            </a:r>
+            <a:endParaRPr lang="en-US" dirty="0"/>
+          </a:p>
+        </p:txBody>
+      </p:sp>
+    </p:spTree>
+    <p:extLst>
+      <p:ext uri="{BB962C8B-B14F-4D97-AF65-F5344CB8AC3E}">
+        <p14:creationId xmlns:p14="http://schemas.microsoft.com/office/powerpoint/2010/main" val="2070826502"/>
+      </p:ext>
+    </p:extLst>
+  </p:cSld>
+  <p:clrMapOvr>
+    <a:masterClrMapping/>
+  </p:clrMapOvr>
+</p:sld>
+</file>
+
 <file path=ppt/slides/slide2.xml><?xml version="1.0" encoding="utf-8"?>
 <p:sld xmlns:a="http://schemas.openxmlformats.org/drawingml/2006/main" xmlns:r="http://schemas.openxmlformats.org/officeDocument/2006/relationships" xmlns:p="http://schemas.openxmlformats.org/presentationml/2006/main">
   <p:cSld>
@@ -7944,7 +8037,7 @@
     </a:clrScheme>
     <a:fontScheme name="Office">
       <a:majorFont>
-        <a:latin typeface="Calibri Light" panose="020F0302020204030204"/>
+        <a:latin typeface="Calibri Light"/>
         <a:ea typeface=""/>
         <a:cs typeface=""/>
         <a:font script="Jpan" typeface="游ゴシック Light"/>
@@ -7996,7 +8089,7 @@
         <a:font script="Tfng" typeface="Ebrima"/>
       </a:majorFont>
       <a:minorFont>
-        <a:latin typeface="Calibri" panose="020F0502020204030204"/>
+        <a:latin typeface="Calibri"/>
         <a:ea typeface=""/>
         <a:cs typeface=""/>
         <a:font script="Jpan" typeface="游ゴシック"/>
@@ -8190,7 +8283,7 @@
   <a:extraClrSchemeLst/>
   <a:extLst>
     <a:ext uri="{05A4C25C-085E-4340-85A3-A5531E510DB2}">
-      <thm15:themeFamily xmlns:thm15="http://schemas.microsoft.com/office/thememl/2012/main" name="Office Theme" id="{62F939B6-93AF-4DB8-9C6B-D6C7DFDC589F}" vid="{4A3C46E8-61CC-4603-A589-7422A47A8E4A}"/>
+      <thm15:themeFamily xmlns:thm15="http://schemas.microsoft.com/office/thememl/2012/main" xmlns="" name="Office Theme" id="{62F939B6-93AF-4DB8-9C6B-D6C7DFDC589F}" vid="{4A3C46E8-61CC-4603-A589-7422A47A8E4A}"/>
     </a:ext>
   </a:extLst>
 </a:theme>

--- a/GIT.pptx
+++ b/GIT.pptx
@@ -22,6 +22,7 @@
     <p:sldId id="270" r:id="rId16"/>
     <p:sldId id="272" r:id="rId17"/>
     <p:sldId id="271" r:id="rId18"/>
+    <p:sldId id="273" r:id="rId19"/>
   </p:sldIdLst>
   <p:sldSz cx="12192000" cy="6858000"/>
   <p:notesSz cx="6858000" cy="9144000"/>
@@ -122,7 +123,7 @@
   </p:defaultTextStyle>
   <p:extLst>
     <p:ext uri="{EFAFB233-063F-42B5-8137-9DF3F51BA10A}">
-      <p15:sldGuideLst xmlns:p15="http://schemas.microsoft.com/office/powerpoint/2012/main"/>
+      <p15:sldGuideLst xmlns:p15="http://schemas.microsoft.com/office/powerpoint/2012/main" xmlns=""/>
     </p:ext>
   </p:extLst>
 </p:presentation>
@@ -257,7 +258,7 @@
           <a:p>
             <a:fld id="{263DE881-C0A0-473E-97A5-F048CA683D4F}" type="datetimeFigureOut">
               <a:rPr lang="en-US" smtClean="0"/>
-              <a:t>9/8/2017</a:t>
+              <a:t>9/10/2017</a:t>
             </a:fld>
             <a:endParaRPr lang="en-US"/>
           </a:p>
@@ -425,7 +426,7 @@
           <a:p>
             <a:fld id="{263DE881-C0A0-473E-97A5-F048CA683D4F}" type="datetimeFigureOut">
               <a:rPr lang="en-US" smtClean="0"/>
-              <a:t>9/8/2017</a:t>
+              <a:t>9/10/2017</a:t>
             </a:fld>
             <a:endParaRPr lang="en-US"/>
           </a:p>
@@ -603,7 +604,7 @@
           <a:p>
             <a:fld id="{263DE881-C0A0-473E-97A5-F048CA683D4F}" type="datetimeFigureOut">
               <a:rPr lang="en-US" smtClean="0"/>
-              <a:t>9/8/2017</a:t>
+              <a:t>9/10/2017</a:t>
             </a:fld>
             <a:endParaRPr lang="en-US"/>
           </a:p>
@@ -771,7 +772,7 @@
           <a:p>
             <a:fld id="{263DE881-C0A0-473E-97A5-F048CA683D4F}" type="datetimeFigureOut">
               <a:rPr lang="en-US" smtClean="0"/>
-              <a:t>9/8/2017</a:t>
+              <a:t>9/10/2017</a:t>
             </a:fld>
             <a:endParaRPr lang="en-US"/>
           </a:p>
@@ -1016,7 +1017,7 @@
           <a:p>
             <a:fld id="{263DE881-C0A0-473E-97A5-F048CA683D4F}" type="datetimeFigureOut">
               <a:rPr lang="en-US" smtClean="0"/>
-              <a:t>9/8/2017</a:t>
+              <a:t>9/10/2017</a:t>
             </a:fld>
             <a:endParaRPr lang="en-US"/>
           </a:p>
@@ -1245,7 +1246,7 @@
           <a:p>
             <a:fld id="{263DE881-C0A0-473E-97A5-F048CA683D4F}" type="datetimeFigureOut">
               <a:rPr lang="en-US" smtClean="0"/>
-              <a:t>9/8/2017</a:t>
+              <a:t>9/10/2017</a:t>
             </a:fld>
             <a:endParaRPr lang="en-US"/>
           </a:p>
@@ -1609,7 +1610,7 @@
           <a:p>
             <a:fld id="{263DE881-C0A0-473E-97A5-F048CA683D4F}" type="datetimeFigureOut">
               <a:rPr lang="en-US" smtClean="0"/>
-              <a:t>9/8/2017</a:t>
+              <a:t>9/10/2017</a:t>
             </a:fld>
             <a:endParaRPr lang="en-US"/>
           </a:p>
@@ -1726,7 +1727,7 @@
           <a:p>
             <a:fld id="{263DE881-C0A0-473E-97A5-F048CA683D4F}" type="datetimeFigureOut">
               <a:rPr lang="en-US" smtClean="0"/>
-              <a:t>9/8/2017</a:t>
+              <a:t>9/10/2017</a:t>
             </a:fld>
             <a:endParaRPr lang="en-US"/>
           </a:p>
@@ -1821,7 +1822,7 @@
           <a:p>
             <a:fld id="{263DE881-C0A0-473E-97A5-F048CA683D4F}" type="datetimeFigureOut">
               <a:rPr lang="en-US" smtClean="0"/>
-              <a:t>9/8/2017</a:t>
+              <a:t>9/10/2017</a:t>
             </a:fld>
             <a:endParaRPr lang="en-US"/>
           </a:p>
@@ -2096,7 +2097,7 @@
           <a:p>
             <a:fld id="{263DE881-C0A0-473E-97A5-F048CA683D4F}" type="datetimeFigureOut">
               <a:rPr lang="en-US" smtClean="0"/>
-              <a:t>9/8/2017</a:t>
+              <a:t>9/10/2017</a:t>
             </a:fld>
             <a:endParaRPr lang="en-US"/>
           </a:p>
@@ -2348,7 +2349,7 @@
           <a:p>
             <a:fld id="{263DE881-C0A0-473E-97A5-F048CA683D4F}" type="datetimeFigureOut">
               <a:rPr lang="en-US" smtClean="0"/>
-              <a:t>9/8/2017</a:t>
+              <a:t>9/10/2017</a:t>
             </a:fld>
             <a:endParaRPr lang="en-US"/>
           </a:p>
@@ -2562,7 +2563,7 @@
           <a:p>
             <a:fld id="{263DE881-C0A0-473E-97A5-F048CA683D4F}" type="datetimeFigureOut">
               <a:rPr lang="en-US" smtClean="0"/>
-              <a:t>9/8/2017</a:t>
+              <a:t>9/10/2017</a:t>
             </a:fld>
             <a:endParaRPr lang="en-US"/>
           </a:p>
@@ -5047,6 +5048,88 @@
 </p:sld>
 </file>
 
+<file path=ppt/slides/slide18.xml><?xml version="1.0" encoding="utf-8"?>
+<p:sld xmlns:a="http://schemas.openxmlformats.org/drawingml/2006/main" xmlns:r="http://schemas.openxmlformats.org/officeDocument/2006/relationships" xmlns:p="http://schemas.openxmlformats.org/presentationml/2006/main">
+  <p:cSld>
+    <p:spTree>
+      <p:nvGrpSpPr>
+        <p:cNvPr id="1" name=""/>
+        <p:cNvGrpSpPr/>
+        <p:nvPr/>
+      </p:nvGrpSpPr>
+      <p:grpSpPr>
+        <a:xfrm>
+          <a:off x="0" y="0"/>
+          <a:ext cx="0" cy="0"/>
+          <a:chOff x="0" y="0"/>
+          <a:chExt cx="0" cy="0"/>
+        </a:xfrm>
+      </p:grpSpPr>
+      <p:sp>
+        <p:nvSpPr>
+          <p:cNvPr id="2" name="Title 1"/>
+          <p:cNvSpPr>
+            <a:spLocks noGrp="1"/>
+          </p:cNvSpPr>
+          <p:nvPr>
+            <p:ph type="title"/>
+          </p:nvPr>
+        </p:nvSpPr>
+        <p:spPr/>
+        <p:txBody>
+          <a:bodyPr/>
+          <a:lstStyle/>
+          <a:p>
+            <a:r>
+              <a:rPr lang="en-IN" dirty="0" smtClean="0"/>
+              <a:t>Blah </a:t>
+            </a:r>
+            <a:r>
+              <a:rPr lang="en-IN" dirty="0" err="1" smtClean="0"/>
+              <a:t>blah</a:t>
+            </a:r>
+            <a:endParaRPr lang="en-IN" dirty="0"/>
+          </a:p>
+        </p:txBody>
+      </p:sp>
+      <p:sp>
+        <p:nvSpPr>
+          <p:cNvPr id="3" name="Content Placeholder 2"/>
+          <p:cNvSpPr>
+            <a:spLocks noGrp="1"/>
+          </p:cNvSpPr>
+          <p:nvPr>
+            <p:ph idx="1"/>
+          </p:nvPr>
+        </p:nvSpPr>
+        <p:spPr/>
+        <p:txBody>
+          <a:bodyPr/>
+          <a:lstStyle/>
+          <a:p>
+            <a:r>
+              <a:rPr lang="en-IN" smtClean="0"/>
+              <a:t>And blah</a:t>
+            </a:r>
+          </a:p>
+          <a:p>
+            <a:endParaRPr lang="en-IN"/>
+          </a:p>
+        </p:txBody>
+      </p:sp>
+    </p:spTree>
+    <p:extLst>
+      <p:ext uri="{BB962C8B-B14F-4D97-AF65-F5344CB8AC3E}">
+        <p14:creationId xmlns:p14="http://schemas.microsoft.com/office/powerpoint/2010/main" val="3639507942"/>
+      </p:ext>
+    </p:extLst>
+  </p:cSld>
+  <p:clrMapOvr>
+    <a:masterClrMapping/>
+  </p:clrMapOvr>
+</p:sld>
+</file>
+
 <file path=ppt/slides/slide2.xml><?xml version="1.0" encoding="utf-8"?>
 <p:sld xmlns:a="http://schemas.openxmlformats.org/drawingml/2006/main" xmlns:r="http://schemas.openxmlformats.org/officeDocument/2006/relationships" xmlns:p="http://schemas.openxmlformats.org/presentationml/2006/main">
   <p:cSld>
@@ -7944,7 +8027,7 @@
     </a:clrScheme>
     <a:fontScheme name="Office">
       <a:majorFont>
-        <a:latin typeface="Calibri Light" panose="020F0302020204030204"/>
+        <a:latin typeface="Calibri Light"/>
         <a:ea typeface=""/>
         <a:cs typeface=""/>
         <a:font script="Jpan" typeface="游ゴシック Light"/>
@@ -7996,7 +8079,7 @@
         <a:font script="Tfng" typeface="Ebrima"/>
       </a:majorFont>
       <a:minorFont>
-        <a:latin typeface="Calibri" panose="020F0502020204030204"/>
+        <a:latin typeface="Calibri"/>
         <a:ea typeface=""/>
         <a:cs typeface=""/>
         <a:font script="Jpan" typeface="游ゴシック"/>
@@ -8190,7 +8273,7 @@
   <a:extraClrSchemeLst/>
   <a:extLst>
     <a:ext uri="{05A4C25C-085E-4340-85A3-A5531E510DB2}">
-      <thm15:themeFamily xmlns:thm15="http://schemas.microsoft.com/office/thememl/2012/main" name="Office Theme" id="{62F939B6-93AF-4DB8-9C6B-D6C7DFDC589F}" vid="{4A3C46E8-61CC-4603-A589-7422A47A8E4A}"/>
+      <thm15:themeFamily xmlns:thm15="http://schemas.microsoft.com/office/thememl/2012/main" xmlns="" name="Office Theme" id="{62F939B6-93AF-4DB8-9C6B-D6C7DFDC589F}" vid="{4A3C46E8-61CC-4603-A589-7422A47A8E4A}"/>
     </a:ext>
   </a:extLst>
 </a:theme>
